--- a/2DGP 텀프로젝트 2차발표.pptx
+++ b/2DGP 텀프로젝트 2차발표.pptx
@@ -10,6 +10,7 @@
     <p:sldId id="267" r:id="rId4"/>
     <p:sldId id="268" r:id="rId5"/>
     <p:sldId id="266" r:id="rId6"/>
+    <p:sldId id="269" r:id="rId7"/>
   </p:sldIdLst>
   <p:sldSz cx="12192000" cy="6858000"/>
   <p:notesSz cx="6858000" cy="9144000"/>
@@ -4050,6 +4051,17 @@
               <a:rPr lang="ko-KR" altLang="en-US" sz="4000" dirty="0"/>
               <a:t> 통계</a:t>
             </a:r>
+            <a:endParaRPr lang="en-US" altLang="ko-KR" sz="4000" dirty="0"/>
+          </a:p>
+          <a:p>
+            <a:r>
+              <a:rPr lang="en-US" altLang="ko-KR" sz="4000" dirty="0"/>
+              <a:t>4. </a:t>
+            </a:r>
+            <a:r>
+              <a:rPr lang="ko-KR" altLang="en-US" sz="4000" dirty="0"/>
+              <a:t>데모 시연</a:t>
+            </a:r>
             <a:endParaRPr lang="ko-KR" altLang="en-US" dirty="0"/>
           </a:p>
         </p:txBody>
@@ -7330,6 +7342,96 @@
     <p:extLst>
       <p:ext uri="{BB962C8B-B14F-4D97-AF65-F5344CB8AC3E}">
         <p14:creationId xmlns:p14="http://schemas.microsoft.com/office/powerpoint/2010/main" val="138768258"/>
+      </p:ext>
+    </p:extLst>
+  </p:cSld>
+  <p:clrMapOvr>
+    <a:masterClrMapping/>
+  </p:clrMapOvr>
+</p:sld>
+</file>
+
+<file path=ppt/slides/slide6.xml><?xml version="1.0" encoding="utf-8"?>
+<p:sld xmlns:a="http://schemas.openxmlformats.org/drawingml/2006/main" xmlns:r="http://schemas.openxmlformats.org/officeDocument/2006/relationships" xmlns:p="http://schemas.openxmlformats.org/presentationml/2006/main">
+  <p:cSld>
+    <p:spTree>
+      <p:nvGrpSpPr>
+        <p:cNvPr id="1" name=""/>
+        <p:cNvGrpSpPr/>
+        <p:nvPr/>
+      </p:nvGrpSpPr>
+      <p:grpSpPr>
+        <a:xfrm>
+          <a:off x="0" y="0"/>
+          <a:ext cx="0" cy="0"/>
+          <a:chOff x="0" y="0"/>
+          <a:chExt cx="0" cy="0"/>
+        </a:xfrm>
+      </p:grpSpPr>
+      <p:sp>
+        <p:nvSpPr>
+          <p:cNvPr id="2" name="제목 1">
+            <a:extLst>
+              <a:ext uri="{FF2B5EF4-FFF2-40B4-BE49-F238E27FC236}">
+                <a16:creationId xmlns:a16="http://schemas.microsoft.com/office/drawing/2014/main" id="{D62183B3-A5E1-D222-1CCA-6C068793E826}"/>
+              </a:ext>
+            </a:extLst>
+          </p:cNvPr>
+          <p:cNvSpPr>
+            <a:spLocks noGrp="1"/>
+          </p:cNvSpPr>
+          <p:nvPr>
+            <p:ph type="title"/>
+          </p:nvPr>
+        </p:nvSpPr>
+        <p:spPr/>
+        <p:txBody>
+          <a:bodyPr/>
+          <a:lstStyle/>
+          <a:p>
+            <a:r>
+              <a:rPr lang="en-US" altLang="ko-KR" dirty="0"/>
+              <a:t>4. </a:t>
+            </a:r>
+            <a:r>
+              <a:rPr lang="ko-KR" altLang="en-US" dirty="0"/>
+              <a:t>데모 시연</a:t>
+            </a:r>
+          </a:p>
+        </p:txBody>
+      </p:sp>
+      <p:sp>
+        <p:nvSpPr>
+          <p:cNvPr id="3" name="내용 개체 틀 2">
+            <a:extLst>
+              <a:ext uri="{FF2B5EF4-FFF2-40B4-BE49-F238E27FC236}">
+                <a16:creationId xmlns:a16="http://schemas.microsoft.com/office/drawing/2014/main" id="{438FD84B-02EC-CB1F-5D99-EECF0CA9DA41}"/>
+              </a:ext>
+            </a:extLst>
+          </p:cNvPr>
+          <p:cNvSpPr>
+            <a:spLocks noGrp="1"/>
+          </p:cNvSpPr>
+          <p:nvPr>
+            <p:ph idx="1"/>
+          </p:nvPr>
+        </p:nvSpPr>
+        <p:spPr/>
+        <p:txBody>
+          <a:bodyPr/>
+          <a:lstStyle/>
+          <a:p>
+            <a:pPr marL="0" indent="0">
+              <a:buNone/>
+            </a:pPr>
+            <a:endParaRPr lang="ko-KR" altLang="en-US" dirty="0"/>
+          </a:p>
+        </p:txBody>
+      </p:sp>
+    </p:spTree>
+    <p:extLst>
+      <p:ext uri="{BB962C8B-B14F-4D97-AF65-F5344CB8AC3E}">
+        <p14:creationId xmlns:p14="http://schemas.microsoft.com/office/powerpoint/2010/main" val="3595493279"/>
       </p:ext>
     </p:extLst>
   </p:cSld>
